--- a/有限元方法基础学习记录.pptx
+++ b/有限元方法基础学习记录.pptx
@@ -252,7 +252,7 @@
           <a:p>
             <a:fld id="{2C871416-D108-4DAB-9519-191CAEDF0BB6}" type="datetimeFigureOut">
               <a:rPr lang="zh-CN" altLang="en-US" smtClean="0"/>
-              <a:t>2025/12/12</a:t>
+              <a:t>2025/12/15</a:t>
             </a:fld>
             <a:endParaRPr lang="zh-CN" altLang="en-US"/>
           </a:p>
@@ -422,7 +422,7 @@
           <a:p>
             <a:fld id="{2C871416-D108-4DAB-9519-191CAEDF0BB6}" type="datetimeFigureOut">
               <a:rPr lang="zh-CN" altLang="en-US" smtClean="0"/>
-              <a:t>2025/12/12</a:t>
+              <a:t>2025/12/15</a:t>
             </a:fld>
             <a:endParaRPr lang="zh-CN" altLang="en-US"/>
           </a:p>
@@ -602,7 +602,7 @@
           <a:p>
             <a:fld id="{2C871416-D108-4DAB-9519-191CAEDF0BB6}" type="datetimeFigureOut">
               <a:rPr lang="zh-CN" altLang="en-US" smtClean="0"/>
-              <a:t>2025/12/12</a:t>
+              <a:t>2025/12/15</a:t>
             </a:fld>
             <a:endParaRPr lang="zh-CN" altLang="en-US"/>
           </a:p>
@@ -772,7 +772,7 @@
           <a:p>
             <a:fld id="{2C871416-D108-4DAB-9519-191CAEDF0BB6}" type="datetimeFigureOut">
               <a:rPr lang="zh-CN" altLang="en-US" smtClean="0"/>
-              <a:t>2025/12/12</a:t>
+              <a:t>2025/12/15</a:t>
             </a:fld>
             <a:endParaRPr lang="zh-CN" altLang="en-US"/>
           </a:p>
@@ -1018,7 +1018,7 @@
           <a:p>
             <a:fld id="{2C871416-D108-4DAB-9519-191CAEDF0BB6}" type="datetimeFigureOut">
               <a:rPr lang="zh-CN" altLang="en-US" smtClean="0"/>
-              <a:t>2025/12/12</a:t>
+              <a:t>2025/12/15</a:t>
             </a:fld>
             <a:endParaRPr lang="zh-CN" altLang="en-US"/>
           </a:p>
@@ -1250,7 +1250,7 @@
           <a:p>
             <a:fld id="{2C871416-D108-4DAB-9519-191CAEDF0BB6}" type="datetimeFigureOut">
               <a:rPr lang="zh-CN" altLang="en-US" smtClean="0"/>
-              <a:t>2025/12/12</a:t>
+              <a:t>2025/12/15</a:t>
             </a:fld>
             <a:endParaRPr lang="zh-CN" altLang="en-US"/>
           </a:p>
@@ -1617,7 +1617,7 @@
           <a:p>
             <a:fld id="{2C871416-D108-4DAB-9519-191CAEDF0BB6}" type="datetimeFigureOut">
               <a:rPr lang="zh-CN" altLang="en-US" smtClean="0"/>
-              <a:t>2025/12/12</a:t>
+              <a:t>2025/12/15</a:t>
             </a:fld>
             <a:endParaRPr lang="zh-CN" altLang="en-US"/>
           </a:p>
@@ -1735,7 +1735,7 @@
           <a:p>
             <a:fld id="{2C871416-D108-4DAB-9519-191CAEDF0BB6}" type="datetimeFigureOut">
               <a:rPr lang="zh-CN" altLang="en-US" smtClean="0"/>
-              <a:t>2025/12/12</a:t>
+              <a:t>2025/12/15</a:t>
             </a:fld>
             <a:endParaRPr lang="zh-CN" altLang="en-US"/>
           </a:p>
@@ -1830,7 +1830,7 @@
           <a:p>
             <a:fld id="{2C871416-D108-4DAB-9519-191CAEDF0BB6}" type="datetimeFigureOut">
               <a:rPr lang="zh-CN" altLang="en-US" smtClean="0"/>
-              <a:t>2025/12/12</a:t>
+              <a:t>2025/12/15</a:t>
             </a:fld>
             <a:endParaRPr lang="zh-CN" altLang="en-US"/>
           </a:p>
@@ -2107,7 +2107,7 @@
           <a:p>
             <a:fld id="{2C871416-D108-4DAB-9519-191CAEDF0BB6}" type="datetimeFigureOut">
               <a:rPr lang="zh-CN" altLang="en-US" smtClean="0"/>
-              <a:t>2025/12/12</a:t>
+              <a:t>2025/12/15</a:t>
             </a:fld>
             <a:endParaRPr lang="zh-CN" altLang="en-US"/>
           </a:p>
@@ -2360,7 +2360,7 @@
           <a:p>
             <a:fld id="{2C871416-D108-4DAB-9519-191CAEDF0BB6}" type="datetimeFigureOut">
               <a:rPr lang="zh-CN" altLang="en-US" smtClean="0"/>
-              <a:t>2025/12/12</a:t>
+              <a:t>2025/12/15</a:t>
             </a:fld>
             <a:endParaRPr lang="zh-CN" altLang="en-US"/>
           </a:p>
@@ -2573,7 +2573,7 @@
           <a:p>
             <a:fld id="{2C871416-D108-4DAB-9519-191CAEDF0BB6}" type="datetimeFigureOut">
               <a:rPr lang="zh-CN" altLang="en-US" smtClean="0"/>
-              <a:t>2025/12/12</a:t>
+              <a:t>2025/12/15</a:t>
             </a:fld>
             <a:endParaRPr lang="zh-CN" altLang="en-US"/>
           </a:p>
@@ -3453,6 +3453,54 @@
           <a:chExt cx="0" cy="0"/>
         </a:xfrm>
       </p:grpSpPr>
+      <p:pic>
+        <p:nvPicPr>
+          <p:cNvPr id="2" name="图片 1"/>
+          <p:cNvPicPr>
+            <a:picLocks noChangeAspect="1"/>
+          </p:cNvPicPr>
+          <p:nvPr/>
+        </p:nvPicPr>
+        <p:blipFill>
+          <a:blip r:embed="rId2"/>
+          <a:stretch>
+            <a:fillRect/>
+          </a:stretch>
+        </p:blipFill>
+        <p:spPr>
+          <a:xfrm>
+            <a:off x="328980" y="222278"/>
+            <a:ext cx="6056797" cy="3224305"/>
+          </a:xfrm>
+          <a:prstGeom prst="rect">
+            <a:avLst/>
+          </a:prstGeom>
+        </p:spPr>
+      </p:pic>
+      <p:pic>
+        <p:nvPicPr>
+          <p:cNvPr id="3" name="图片 2"/>
+          <p:cNvPicPr>
+            <a:picLocks noChangeAspect="1"/>
+          </p:cNvPicPr>
+          <p:nvPr/>
+        </p:nvPicPr>
+        <p:blipFill>
+          <a:blip r:embed="rId3"/>
+          <a:stretch>
+            <a:fillRect/>
+          </a:stretch>
+        </p:blipFill>
+        <p:spPr>
+          <a:xfrm>
+            <a:off x="249849" y="3850799"/>
+            <a:ext cx="5848350" cy="2667000"/>
+          </a:xfrm>
+          <a:prstGeom prst="rect">
+            <a:avLst/>
+          </a:prstGeom>
+        </p:spPr>
+      </p:pic>
     </p:spTree>
     <p:extLst>
       <p:ext uri="{BB962C8B-B14F-4D97-AF65-F5344CB8AC3E}">
